--- a/AI Services - Agenda.pptx
+++ b/AI Services - Agenda.pptx
@@ -109,7 +109,7 @@
   </p:defaultTextStyle>
   <p:extLst>
     <p:ext uri="{EFAFB233-063F-42B5-8137-9DF3F51BA10A}">
-      <p15:sldGuideLst xmlns:p15="http://schemas.microsoft.com/office/powerpoint/2012/main"/>
+      <p15:sldGuideLst xmlns:p15="http://schemas.microsoft.com/office/powerpoint/2012/main" xmlns=""/>
     </p:ext>
   </p:extLst>
 </p:presentation>
@@ -137,7 +137,7 @@
           <p:cNvPr id="2" name="Title 1">
             <a:extLst>
               <a:ext uri="{FF2B5EF4-FFF2-40B4-BE49-F238E27FC236}">
-                <a16:creationId xmlns:a16="http://schemas.microsoft.com/office/drawing/2014/main" id="{CCEBDBAD-6739-44D1-913F-394F94502816}"/>
+                <a16:creationId xmlns:a16="http://schemas.microsoft.com/office/drawing/2014/main" xmlns="" id="{CCEBDBAD-6739-44D1-913F-394F94502816}"/>
               </a:ext>
             </a:extLst>
           </p:cNvPr>
@@ -175,7 +175,7 @@
           <p:cNvPr id="3" name="Subtitle 2">
             <a:extLst>
               <a:ext uri="{FF2B5EF4-FFF2-40B4-BE49-F238E27FC236}">
-                <a16:creationId xmlns:a16="http://schemas.microsoft.com/office/drawing/2014/main" id="{B3D8A0BB-F592-4B8F-913F-E311282C9737}"/>
+                <a16:creationId xmlns:a16="http://schemas.microsoft.com/office/drawing/2014/main" xmlns="" id="{B3D8A0BB-F592-4B8F-913F-E311282C9737}"/>
               </a:ext>
             </a:extLst>
           </p:cNvPr>
@@ -246,7 +246,7 @@
           <p:cNvPr id="4" name="Date Placeholder 3">
             <a:extLst>
               <a:ext uri="{FF2B5EF4-FFF2-40B4-BE49-F238E27FC236}">
-                <a16:creationId xmlns:a16="http://schemas.microsoft.com/office/drawing/2014/main" id="{8B034676-1C46-4C8D-9EA8-DFA8ED98FAF2}"/>
+                <a16:creationId xmlns:a16="http://schemas.microsoft.com/office/drawing/2014/main" xmlns="" id="{8B034676-1C46-4C8D-9EA8-DFA8ED98FAF2}"/>
               </a:ext>
             </a:extLst>
           </p:cNvPr>
@@ -264,7 +264,7 @@
           <a:p>
             <a:fld id="{FFB89F34-950C-44C9-8DD8-DC77C0E8D319}" type="datetimeFigureOut">
               <a:rPr lang="en-IN" smtClean="0"/>
-              <a:t>13-05-2019</a:t>
+              <a:t>20-09-2019</a:t>
             </a:fld>
             <a:endParaRPr lang="en-IN"/>
           </a:p>
@@ -275,7 +275,7 @@
           <p:cNvPr id="5" name="Footer Placeholder 4">
             <a:extLst>
               <a:ext uri="{FF2B5EF4-FFF2-40B4-BE49-F238E27FC236}">
-                <a16:creationId xmlns:a16="http://schemas.microsoft.com/office/drawing/2014/main" id="{F412D002-1B74-422F-84E7-74B43BC30F9E}"/>
+                <a16:creationId xmlns:a16="http://schemas.microsoft.com/office/drawing/2014/main" xmlns="" id="{F412D002-1B74-422F-84E7-74B43BC30F9E}"/>
               </a:ext>
             </a:extLst>
           </p:cNvPr>
@@ -300,7 +300,7 @@
           <p:cNvPr id="6" name="Slide Number Placeholder 5">
             <a:extLst>
               <a:ext uri="{FF2B5EF4-FFF2-40B4-BE49-F238E27FC236}">
-                <a16:creationId xmlns:a16="http://schemas.microsoft.com/office/drawing/2014/main" id="{71B3BD31-DD27-48EA-8E63-CB0EB6C206C0}"/>
+                <a16:creationId xmlns:a16="http://schemas.microsoft.com/office/drawing/2014/main" xmlns="" id="{71B3BD31-DD27-48EA-8E63-CB0EB6C206C0}"/>
               </a:ext>
             </a:extLst>
           </p:cNvPr>
@@ -359,7 +359,7 @@
           <p:cNvPr id="2" name="Title 1">
             <a:extLst>
               <a:ext uri="{FF2B5EF4-FFF2-40B4-BE49-F238E27FC236}">
-                <a16:creationId xmlns:a16="http://schemas.microsoft.com/office/drawing/2014/main" id="{86528E97-E39C-4E73-86FF-04A7A6D66D6F}"/>
+                <a16:creationId xmlns:a16="http://schemas.microsoft.com/office/drawing/2014/main" xmlns="" id="{86528E97-E39C-4E73-86FF-04A7A6D66D6F}"/>
               </a:ext>
             </a:extLst>
           </p:cNvPr>
@@ -388,7 +388,7 @@
           <p:cNvPr id="3" name="Vertical Text Placeholder 2">
             <a:extLst>
               <a:ext uri="{FF2B5EF4-FFF2-40B4-BE49-F238E27FC236}">
-                <a16:creationId xmlns:a16="http://schemas.microsoft.com/office/drawing/2014/main" id="{415B9657-6201-4C5D-A2C2-E0946810C07E}"/>
+                <a16:creationId xmlns:a16="http://schemas.microsoft.com/office/drawing/2014/main" xmlns="" id="{415B9657-6201-4C5D-A2C2-E0946810C07E}"/>
               </a:ext>
             </a:extLst>
           </p:cNvPr>
@@ -446,7 +446,7 @@
           <p:cNvPr id="4" name="Date Placeholder 3">
             <a:extLst>
               <a:ext uri="{FF2B5EF4-FFF2-40B4-BE49-F238E27FC236}">
-                <a16:creationId xmlns:a16="http://schemas.microsoft.com/office/drawing/2014/main" id="{48A044C7-CA20-4994-9C8A-8A435B7C8076}"/>
+                <a16:creationId xmlns:a16="http://schemas.microsoft.com/office/drawing/2014/main" xmlns="" id="{48A044C7-CA20-4994-9C8A-8A435B7C8076}"/>
               </a:ext>
             </a:extLst>
           </p:cNvPr>
@@ -464,7 +464,7 @@
           <a:p>
             <a:fld id="{FFB89F34-950C-44C9-8DD8-DC77C0E8D319}" type="datetimeFigureOut">
               <a:rPr lang="en-IN" smtClean="0"/>
-              <a:t>13-05-2019</a:t>
+              <a:t>20-09-2019</a:t>
             </a:fld>
             <a:endParaRPr lang="en-IN"/>
           </a:p>
@@ -475,7 +475,7 @@
           <p:cNvPr id="5" name="Footer Placeholder 4">
             <a:extLst>
               <a:ext uri="{FF2B5EF4-FFF2-40B4-BE49-F238E27FC236}">
-                <a16:creationId xmlns:a16="http://schemas.microsoft.com/office/drawing/2014/main" id="{A9EC48A7-EE65-4384-A5CF-3FB862FAC8C6}"/>
+                <a16:creationId xmlns:a16="http://schemas.microsoft.com/office/drawing/2014/main" xmlns="" id="{A9EC48A7-EE65-4384-A5CF-3FB862FAC8C6}"/>
               </a:ext>
             </a:extLst>
           </p:cNvPr>
@@ -500,7 +500,7 @@
           <p:cNvPr id="6" name="Slide Number Placeholder 5">
             <a:extLst>
               <a:ext uri="{FF2B5EF4-FFF2-40B4-BE49-F238E27FC236}">
-                <a16:creationId xmlns:a16="http://schemas.microsoft.com/office/drawing/2014/main" id="{10B3961E-35C3-46C1-B5FB-C185E4AA70A8}"/>
+                <a16:creationId xmlns:a16="http://schemas.microsoft.com/office/drawing/2014/main" xmlns="" id="{10B3961E-35C3-46C1-B5FB-C185E4AA70A8}"/>
               </a:ext>
             </a:extLst>
           </p:cNvPr>
@@ -559,7 +559,7 @@
           <p:cNvPr id="2" name="Vertical Title 1">
             <a:extLst>
               <a:ext uri="{FF2B5EF4-FFF2-40B4-BE49-F238E27FC236}">
-                <a16:creationId xmlns:a16="http://schemas.microsoft.com/office/drawing/2014/main" id="{D7F36F17-584B-4126-A16D-4D798AB0FDD4}"/>
+                <a16:creationId xmlns:a16="http://schemas.microsoft.com/office/drawing/2014/main" xmlns="" id="{D7F36F17-584B-4126-A16D-4D798AB0FDD4}"/>
               </a:ext>
             </a:extLst>
           </p:cNvPr>
@@ -593,7 +593,7 @@
           <p:cNvPr id="3" name="Vertical Text Placeholder 2">
             <a:extLst>
               <a:ext uri="{FF2B5EF4-FFF2-40B4-BE49-F238E27FC236}">
-                <a16:creationId xmlns:a16="http://schemas.microsoft.com/office/drawing/2014/main" id="{4C3F099E-1C8E-472F-997A-182177755F8C}"/>
+                <a16:creationId xmlns:a16="http://schemas.microsoft.com/office/drawing/2014/main" xmlns="" id="{4C3F099E-1C8E-472F-997A-182177755F8C}"/>
               </a:ext>
             </a:extLst>
           </p:cNvPr>
@@ -656,7 +656,7 @@
           <p:cNvPr id="4" name="Date Placeholder 3">
             <a:extLst>
               <a:ext uri="{FF2B5EF4-FFF2-40B4-BE49-F238E27FC236}">
-                <a16:creationId xmlns:a16="http://schemas.microsoft.com/office/drawing/2014/main" id="{B1868F89-0986-46B6-BCA5-BC77DC7B1268}"/>
+                <a16:creationId xmlns:a16="http://schemas.microsoft.com/office/drawing/2014/main" xmlns="" id="{B1868F89-0986-46B6-BCA5-BC77DC7B1268}"/>
               </a:ext>
             </a:extLst>
           </p:cNvPr>
@@ -674,7 +674,7 @@
           <a:p>
             <a:fld id="{FFB89F34-950C-44C9-8DD8-DC77C0E8D319}" type="datetimeFigureOut">
               <a:rPr lang="en-IN" smtClean="0"/>
-              <a:t>13-05-2019</a:t>
+              <a:t>20-09-2019</a:t>
             </a:fld>
             <a:endParaRPr lang="en-IN"/>
           </a:p>
@@ -685,7 +685,7 @@
           <p:cNvPr id="5" name="Footer Placeholder 4">
             <a:extLst>
               <a:ext uri="{FF2B5EF4-FFF2-40B4-BE49-F238E27FC236}">
-                <a16:creationId xmlns:a16="http://schemas.microsoft.com/office/drawing/2014/main" id="{DD226F15-6B6F-400E-9D94-7F8F7DD7827A}"/>
+                <a16:creationId xmlns:a16="http://schemas.microsoft.com/office/drawing/2014/main" xmlns="" id="{DD226F15-6B6F-400E-9D94-7F8F7DD7827A}"/>
               </a:ext>
             </a:extLst>
           </p:cNvPr>
@@ -710,7 +710,7 @@
           <p:cNvPr id="6" name="Slide Number Placeholder 5">
             <a:extLst>
               <a:ext uri="{FF2B5EF4-FFF2-40B4-BE49-F238E27FC236}">
-                <a16:creationId xmlns:a16="http://schemas.microsoft.com/office/drawing/2014/main" id="{81CA0927-026F-4DA5-BF39-8612D00196D1}"/>
+                <a16:creationId xmlns:a16="http://schemas.microsoft.com/office/drawing/2014/main" xmlns="" id="{81CA0927-026F-4DA5-BF39-8612D00196D1}"/>
               </a:ext>
             </a:extLst>
           </p:cNvPr>
@@ -769,7 +769,7 @@
           <p:cNvPr id="2" name="Title 1">
             <a:extLst>
               <a:ext uri="{FF2B5EF4-FFF2-40B4-BE49-F238E27FC236}">
-                <a16:creationId xmlns:a16="http://schemas.microsoft.com/office/drawing/2014/main" id="{69EA973B-65E6-4307-AE23-AEA4DA5EFC6B}"/>
+                <a16:creationId xmlns:a16="http://schemas.microsoft.com/office/drawing/2014/main" xmlns="" id="{69EA973B-65E6-4307-AE23-AEA4DA5EFC6B}"/>
               </a:ext>
             </a:extLst>
           </p:cNvPr>
@@ -798,7 +798,7 @@
           <p:cNvPr id="3" name="Content Placeholder 2">
             <a:extLst>
               <a:ext uri="{FF2B5EF4-FFF2-40B4-BE49-F238E27FC236}">
-                <a16:creationId xmlns:a16="http://schemas.microsoft.com/office/drawing/2014/main" id="{56474145-3630-4E06-BF7A-AF3946E94B7B}"/>
+                <a16:creationId xmlns:a16="http://schemas.microsoft.com/office/drawing/2014/main" xmlns="" id="{56474145-3630-4E06-BF7A-AF3946E94B7B}"/>
               </a:ext>
             </a:extLst>
           </p:cNvPr>
@@ -856,7 +856,7 @@
           <p:cNvPr id="4" name="Date Placeholder 3">
             <a:extLst>
               <a:ext uri="{FF2B5EF4-FFF2-40B4-BE49-F238E27FC236}">
-                <a16:creationId xmlns:a16="http://schemas.microsoft.com/office/drawing/2014/main" id="{018F7674-0A97-4BE5-AB41-5009D74964D4}"/>
+                <a16:creationId xmlns:a16="http://schemas.microsoft.com/office/drawing/2014/main" xmlns="" id="{018F7674-0A97-4BE5-AB41-5009D74964D4}"/>
               </a:ext>
             </a:extLst>
           </p:cNvPr>
@@ -874,7 +874,7 @@
           <a:p>
             <a:fld id="{FFB89F34-950C-44C9-8DD8-DC77C0E8D319}" type="datetimeFigureOut">
               <a:rPr lang="en-IN" smtClean="0"/>
-              <a:t>13-05-2019</a:t>
+              <a:t>20-09-2019</a:t>
             </a:fld>
             <a:endParaRPr lang="en-IN"/>
           </a:p>
@@ -885,7 +885,7 @@
           <p:cNvPr id="5" name="Footer Placeholder 4">
             <a:extLst>
               <a:ext uri="{FF2B5EF4-FFF2-40B4-BE49-F238E27FC236}">
-                <a16:creationId xmlns:a16="http://schemas.microsoft.com/office/drawing/2014/main" id="{D34FC8E2-5BE3-4F30-8ABA-1816B234036B}"/>
+                <a16:creationId xmlns:a16="http://schemas.microsoft.com/office/drawing/2014/main" xmlns="" id="{D34FC8E2-5BE3-4F30-8ABA-1816B234036B}"/>
               </a:ext>
             </a:extLst>
           </p:cNvPr>
@@ -910,7 +910,7 @@
           <p:cNvPr id="6" name="Slide Number Placeholder 5">
             <a:extLst>
               <a:ext uri="{FF2B5EF4-FFF2-40B4-BE49-F238E27FC236}">
-                <a16:creationId xmlns:a16="http://schemas.microsoft.com/office/drawing/2014/main" id="{15B26C9B-2565-40F3-9FC5-31F70A1C1DC1}"/>
+                <a16:creationId xmlns:a16="http://schemas.microsoft.com/office/drawing/2014/main" xmlns="" id="{15B26C9B-2565-40F3-9FC5-31F70A1C1DC1}"/>
               </a:ext>
             </a:extLst>
           </p:cNvPr>
@@ -969,7 +969,7 @@
           <p:cNvPr id="2" name="Title 1">
             <a:extLst>
               <a:ext uri="{FF2B5EF4-FFF2-40B4-BE49-F238E27FC236}">
-                <a16:creationId xmlns:a16="http://schemas.microsoft.com/office/drawing/2014/main" id="{219EE029-3B30-461C-9DED-1501D184FC6A}"/>
+                <a16:creationId xmlns:a16="http://schemas.microsoft.com/office/drawing/2014/main" xmlns="" id="{219EE029-3B30-461C-9DED-1501D184FC6A}"/>
               </a:ext>
             </a:extLst>
           </p:cNvPr>
@@ -1007,7 +1007,7 @@
           <p:cNvPr id="3" name="Text Placeholder 2">
             <a:extLst>
               <a:ext uri="{FF2B5EF4-FFF2-40B4-BE49-F238E27FC236}">
-                <a16:creationId xmlns:a16="http://schemas.microsoft.com/office/drawing/2014/main" id="{5A4DDBA4-1F50-4789-9A5D-FBC992B0DD02}"/>
+                <a16:creationId xmlns:a16="http://schemas.microsoft.com/office/drawing/2014/main" xmlns="" id="{5A4DDBA4-1F50-4789-9A5D-FBC992B0DD02}"/>
               </a:ext>
             </a:extLst>
           </p:cNvPr>
@@ -1132,7 +1132,7 @@
           <p:cNvPr id="4" name="Date Placeholder 3">
             <a:extLst>
               <a:ext uri="{FF2B5EF4-FFF2-40B4-BE49-F238E27FC236}">
-                <a16:creationId xmlns:a16="http://schemas.microsoft.com/office/drawing/2014/main" id="{7532BDDA-4F0B-4FCC-B46D-5EF0D94D6786}"/>
+                <a16:creationId xmlns:a16="http://schemas.microsoft.com/office/drawing/2014/main" xmlns="" id="{7532BDDA-4F0B-4FCC-B46D-5EF0D94D6786}"/>
               </a:ext>
             </a:extLst>
           </p:cNvPr>
@@ -1150,7 +1150,7 @@
           <a:p>
             <a:fld id="{FFB89F34-950C-44C9-8DD8-DC77C0E8D319}" type="datetimeFigureOut">
               <a:rPr lang="en-IN" smtClean="0"/>
-              <a:t>13-05-2019</a:t>
+              <a:t>20-09-2019</a:t>
             </a:fld>
             <a:endParaRPr lang="en-IN"/>
           </a:p>
@@ -1161,7 +1161,7 @@
           <p:cNvPr id="5" name="Footer Placeholder 4">
             <a:extLst>
               <a:ext uri="{FF2B5EF4-FFF2-40B4-BE49-F238E27FC236}">
-                <a16:creationId xmlns:a16="http://schemas.microsoft.com/office/drawing/2014/main" id="{6B958079-AFB1-4357-A7F4-6AF93FD90905}"/>
+                <a16:creationId xmlns:a16="http://schemas.microsoft.com/office/drawing/2014/main" xmlns="" id="{6B958079-AFB1-4357-A7F4-6AF93FD90905}"/>
               </a:ext>
             </a:extLst>
           </p:cNvPr>
@@ -1186,7 +1186,7 @@
           <p:cNvPr id="6" name="Slide Number Placeholder 5">
             <a:extLst>
               <a:ext uri="{FF2B5EF4-FFF2-40B4-BE49-F238E27FC236}">
-                <a16:creationId xmlns:a16="http://schemas.microsoft.com/office/drawing/2014/main" id="{23CCA613-B6AE-4E90-AFAD-D9DBC1645760}"/>
+                <a16:creationId xmlns:a16="http://schemas.microsoft.com/office/drawing/2014/main" xmlns="" id="{23CCA613-B6AE-4E90-AFAD-D9DBC1645760}"/>
               </a:ext>
             </a:extLst>
           </p:cNvPr>
@@ -1245,7 +1245,7 @@
           <p:cNvPr id="2" name="Title 1">
             <a:extLst>
               <a:ext uri="{FF2B5EF4-FFF2-40B4-BE49-F238E27FC236}">
-                <a16:creationId xmlns:a16="http://schemas.microsoft.com/office/drawing/2014/main" id="{D1DD9BBD-275D-47EE-AD56-A346648D7785}"/>
+                <a16:creationId xmlns:a16="http://schemas.microsoft.com/office/drawing/2014/main" xmlns="" id="{D1DD9BBD-275D-47EE-AD56-A346648D7785}"/>
               </a:ext>
             </a:extLst>
           </p:cNvPr>
@@ -1274,7 +1274,7 @@
           <p:cNvPr id="3" name="Content Placeholder 2">
             <a:extLst>
               <a:ext uri="{FF2B5EF4-FFF2-40B4-BE49-F238E27FC236}">
-                <a16:creationId xmlns:a16="http://schemas.microsoft.com/office/drawing/2014/main" id="{F076E722-7AEE-4B2C-B261-1D079A979418}"/>
+                <a16:creationId xmlns:a16="http://schemas.microsoft.com/office/drawing/2014/main" xmlns="" id="{F076E722-7AEE-4B2C-B261-1D079A979418}"/>
               </a:ext>
             </a:extLst>
           </p:cNvPr>
@@ -1337,7 +1337,7 @@
           <p:cNvPr id="4" name="Content Placeholder 3">
             <a:extLst>
               <a:ext uri="{FF2B5EF4-FFF2-40B4-BE49-F238E27FC236}">
-                <a16:creationId xmlns:a16="http://schemas.microsoft.com/office/drawing/2014/main" id="{156A911C-369C-4AD4-97E4-4266FE68B043}"/>
+                <a16:creationId xmlns:a16="http://schemas.microsoft.com/office/drawing/2014/main" xmlns="" id="{156A911C-369C-4AD4-97E4-4266FE68B043}"/>
               </a:ext>
             </a:extLst>
           </p:cNvPr>
@@ -1400,7 +1400,7 @@
           <p:cNvPr id="5" name="Date Placeholder 4">
             <a:extLst>
               <a:ext uri="{FF2B5EF4-FFF2-40B4-BE49-F238E27FC236}">
-                <a16:creationId xmlns:a16="http://schemas.microsoft.com/office/drawing/2014/main" id="{625CC5F7-C3AB-4637-8496-5E56D2E3A59F}"/>
+                <a16:creationId xmlns:a16="http://schemas.microsoft.com/office/drawing/2014/main" xmlns="" id="{625CC5F7-C3AB-4637-8496-5E56D2E3A59F}"/>
               </a:ext>
             </a:extLst>
           </p:cNvPr>
@@ -1418,7 +1418,7 @@
           <a:p>
             <a:fld id="{FFB89F34-950C-44C9-8DD8-DC77C0E8D319}" type="datetimeFigureOut">
               <a:rPr lang="en-IN" smtClean="0"/>
-              <a:t>13-05-2019</a:t>
+              <a:t>20-09-2019</a:t>
             </a:fld>
             <a:endParaRPr lang="en-IN"/>
           </a:p>
@@ -1429,7 +1429,7 @@
           <p:cNvPr id="6" name="Footer Placeholder 5">
             <a:extLst>
               <a:ext uri="{FF2B5EF4-FFF2-40B4-BE49-F238E27FC236}">
-                <a16:creationId xmlns:a16="http://schemas.microsoft.com/office/drawing/2014/main" id="{20C7723C-656D-4D4E-99E5-3E7F63124F11}"/>
+                <a16:creationId xmlns:a16="http://schemas.microsoft.com/office/drawing/2014/main" xmlns="" id="{20C7723C-656D-4D4E-99E5-3E7F63124F11}"/>
               </a:ext>
             </a:extLst>
           </p:cNvPr>
@@ -1454,7 +1454,7 @@
           <p:cNvPr id="7" name="Slide Number Placeholder 6">
             <a:extLst>
               <a:ext uri="{FF2B5EF4-FFF2-40B4-BE49-F238E27FC236}">
-                <a16:creationId xmlns:a16="http://schemas.microsoft.com/office/drawing/2014/main" id="{901CE1EF-E28C-4985-BB30-A49A17D66665}"/>
+                <a16:creationId xmlns:a16="http://schemas.microsoft.com/office/drawing/2014/main" xmlns="" id="{901CE1EF-E28C-4985-BB30-A49A17D66665}"/>
               </a:ext>
             </a:extLst>
           </p:cNvPr>
@@ -1513,7 +1513,7 @@
           <p:cNvPr id="2" name="Title 1">
             <a:extLst>
               <a:ext uri="{FF2B5EF4-FFF2-40B4-BE49-F238E27FC236}">
-                <a16:creationId xmlns:a16="http://schemas.microsoft.com/office/drawing/2014/main" id="{A8CC04B1-E566-4529-B826-CE51B7ADD7E5}"/>
+                <a16:creationId xmlns:a16="http://schemas.microsoft.com/office/drawing/2014/main" xmlns="" id="{A8CC04B1-E566-4529-B826-CE51B7ADD7E5}"/>
               </a:ext>
             </a:extLst>
           </p:cNvPr>
@@ -1547,7 +1547,7 @@
           <p:cNvPr id="3" name="Text Placeholder 2">
             <a:extLst>
               <a:ext uri="{FF2B5EF4-FFF2-40B4-BE49-F238E27FC236}">
-                <a16:creationId xmlns:a16="http://schemas.microsoft.com/office/drawing/2014/main" id="{CE18CF68-FE66-40DF-AD8E-CAD156CBDF6A}"/>
+                <a16:creationId xmlns:a16="http://schemas.microsoft.com/office/drawing/2014/main" xmlns="" id="{CE18CF68-FE66-40DF-AD8E-CAD156CBDF6A}"/>
               </a:ext>
             </a:extLst>
           </p:cNvPr>
@@ -1618,7 +1618,7 @@
           <p:cNvPr id="4" name="Content Placeholder 3">
             <a:extLst>
               <a:ext uri="{FF2B5EF4-FFF2-40B4-BE49-F238E27FC236}">
-                <a16:creationId xmlns:a16="http://schemas.microsoft.com/office/drawing/2014/main" id="{3A3D3A1B-68F2-4868-9EFE-7B8A93F73CA0}"/>
+                <a16:creationId xmlns:a16="http://schemas.microsoft.com/office/drawing/2014/main" xmlns="" id="{3A3D3A1B-68F2-4868-9EFE-7B8A93F73CA0}"/>
               </a:ext>
             </a:extLst>
           </p:cNvPr>
@@ -1681,7 +1681,7 @@
           <p:cNvPr id="5" name="Text Placeholder 4">
             <a:extLst>
               <a:ext uri="{FF2B5EF4-FFF2-40B4-BE49-F238E27FC236}">
-                <a16:creationId xmlns:a16="http://schemas.microsoft.com/office/drawing/2014/main" id="{81DDE12B-371E-4E8F-BE8F-C12CE05821FB}"/>
+                <a16:creationId xmlns:a16="http://schemas.microsoft.com/office/drawing/2014/main" xmlns="" id="{81DDE12B-371E-4E8F-BE8F-C12CE05821FB}"/>
               </a:ext>
             </a:extLst>
           </p:cNvPr>
@@ -1752,7 +1752,7 @@
           <p:cNvPr id="6" name="Content Placeholder 5">
             <a:extLst>
               <a:ext uri="{FF2B5EF4-FFF2-40B4-BE49-F238E27FC236}">
-                <a16:creationId xmlns:a16="http://schemas.microsoft.com/office/drawing/2014/main" id="{D7ACF8E7-F48C-4010-91F6-52217659D4E1}"/>
+                <a16:creationId xmlns:a16="http://schemas.microsoft.com/office/drawing/2014/main" xmlns="" id="{D7ACF8E7-F48C-4010-91F6-52217659D4E1}"/>
               </a:ext>
             </a:extLst>
           </p:cNvPr>
@@ -1815,7 +1815,7 @@
           <p:cNvPr id="7" name="Date Placeholder 6">
             <a:extLst>
               <a:ext uri="{FF2B5EF4-FFF2-40B4-BE49-F238E27FC236}">
-                <a16:creationId xmlns:a16="http://schemas.microsoft.com/office/drawing/2014/main" id="{718F5B15-2BB7-4D26-98B2-6B92E56AE973}"/>
+                <a16:creationId xmlns:a16="http://schemas.microsoft.com/office/drawing/2014/main" xmlns="" id="{718F5B15-2BB7-4D26-98B2-6B92E56AE973}"/>
               </a:ext>
             </a:extLst>
           </p:cNvPr>
@@ -1833,7 +1833,7 @@
           <a:p>
             <a:fld id="{FFB89F34-950C-44C9-8DD8-DC77C0E8D319}" type="datetimeFigureOut">
               <a:rPr lang="en-IN" smtClean="0"/>
-              <a:t>13-05-2019</a:t>
+              <a:t>20-09-2019</a:t>
             </a:fld>
             <a:endParaRPr lang="en-IN"/>
           </a:p>
@@ -1844,7 +1844,7 @@
           <p:cNvPr id="8" name="Footer Placeholder 7">
             <a:extLst>
               <a:ext uri="{FF2B5EF4-FFF2-40B4-BE49-F238E27FC236}">
-                <a16:creationId xmlns:a16="http://schemas.microsoft.com/office/drawing/2014/main" id="{ADC4FC7E-16EF-47E2-B82A-B51036968048}"/>
+                <a16:creationId xmlns:a16="http://schemas.microsoft.com/office/drawing/2014/main" xmlns="" id="{ADC4FC7E-16EF-47E2-B82A-B51036968048}"/>
               </a:ext>
             </a:extLst>
           </p:cNvPr>
@@ -1869,7 +1869,7 @@
           <p:cNvPr id="9" name="Slide Number Placeholder 8">
             <a:extLst>
               <a:ext uri="{FF2B5EF4-FFF2-40B4-BE49-F238E27FC236}">
-                <a16:creationId xmlns:a16="http://schemas.microsoft.com/office/drawing/2014/main" id="{06528CAD-6D7C-4E36-954F-98A92956F143}"/>
+                <a16:creationId xmlns:a16="http://schemas.microsoft.com/office/drawing/2014/main" xmlns="" id="{06528CAD-6D7C-4E36-954F-98A92956F143}"/>
               </a:ext>
             </a:extLst>
           </p:cNvPr>
@@ -1928,7 +1928,7 @@
           <p:cNvPr id="2" name="Title 1">
             <a:extLst>
               <a:ext uri="{FF2B5EF4-FFF2-40B4-BE49-F238E27FC236}">
-                <a16:creationId xmlns:a16="http://schemas.microsoft.com/office/drawing/2014/main" id="{8DB25347-DBA8-4DD1-9F8E-687C3AABFFC4}"/>
+                <a16:creationId xmlns:a16="http://schemas.microsoft.com/office/drawing/2014/main" xmlns="" id="{8DB25347-DBA8-4DD1-9F8E-687C3AABFFC4}"/>
               </a:ext>
             </a:extLst>
           </p:cNvPr>
@@ -1957,7 +1957,7 @@
           <p:cNvPr id="3" name="Date Placeholder 2">
             <a:extLst>
               <a:ext uri="{FF2B5EF4-FFF2-40B4-BE49-F238E27FC236}">
-                <a16:creationId xmlns:a16="http://schemas.microsoft.com/office/drawing/2014/main" id="{74BD00E4-A1E1-4DFB-AD86-382DDD4CBE45}"/>
+                <a16:creationId xmlns:a16="http://schemas.microsoft.com/office/drawing/2014/main" xmlns="" id="{74BD00E4-A1E1-4DFB-AD86-382DDD4CBE45}"/>
               </a:ext>
             </a:extLst>
           </p:cNvPr>
@@ -1975,7 +1975,7 @@
           <a:p>
             <a:fld id="{FFB89F34-950C-44C9-8DD8-DC77C0E8D319}" type="datetimeFigureOut">
               <a:rPr lang="en-IN" smtClean="0"/>
-              <a:t>13-05-2019</a:t>
+              <a:t>20-09-2019</a:t>
             </a:fld>
             <a:endParaRPr lang="en-IN"/>
           </a:p>
@@ -1986,7 +1986,7 @@
           <p:cNvPr id="4" name="Footer Placeholder 3">
             <a:extLst>
               <a:ext uri="{FF2B5EF4-FFF2-40B4-BE49-F238E27FC236}">
-                <a16:creationId xmlns:a16="http://schemas.microsoft.com/office/drawing/2014/main" id="{99E1DF52-812A-45EF-8971-E8AEF531704E}"/>
+                <a16:creationId xmlns:a16="http://schemas.microsoft.com/office/drawing/2014/main" xmlns="" id="{99E1DF52-812A-45EF-8971-E8AEF531704E}"/>
               </a:ext>
             </a:extLst>
           </p:cNvPr>
@@ -2011,7 +2011,7 @@
           <p:cNvPr id="5" name="Slide Number Placeholder 4">
             <a:extLst>
               <a:ext uri="{FF2B5EF4-FFF2-40B4-BE49-F238E27FC236}">
-                <a16:creationId xmlns:a16="http://schemas.microsoft.com/office/drawing/2014/main" id="{7FCA17F6-FE14-4B9E-AA45-3A58C1AEB897}"/>
+                <a16:creationId xmlns:a16="http://schemas.microsoft.com/office/drawing/2014/main" xmlns="" id="{7FCA17F6-FE14-4B9E-AA45-3A58C1AEB897}"/>
               </a:ext>
             </a:extLst>
           </p:cNvPr>
@@ -2070,7 +2070,7 @@
           <p:cNvPr id="2" name="Date Placeholder 1">
             <a:extLst>
               <a:ext uri="{FF2B5EF4-FFF2-40B4-BE49-F238E27FC236}">
-                <a16:creationId xmlns:a16="http://schemas.microsoft.com/office/drawing/2014/main" id="{4DBDA24F-3F18-4FE2-BA31-7F1D24E47C39}"/>
+                <a16:creationId xmlns:a16="http://schemas.microsoft.com/office/drawing/2014/main" xmlns="" id="{4DBDA24F-3F18-4FE2-BA31-7F1D24E47C39}"/>
               </a:ext>
             </a:extLst>
           </p:cNvPr>
@@ -2088,7 +2088,7 @@
           <a:p>
             <a:fld id="{FFB89F34-950C-44C9-8DD8-DC77C0E8D319}" type="datetimeFigureOut">
               <a:rPr lang="en-IN" smtClean="0"/>
-              <a:t>13-05-2019</a:t>
+              <a:t>20-09-2019</a:t>
             </a:fld>
             <a:endParaRPr lang="en-IN"/>
           </a:p>
@@ -2099,7 +2099,7 @@
           <p:cNvPr id="3" name="Footer Placeholder 2">
             <a:extLst>
               <a:ext uri="{FF2B5EF4-FFF2-40B4-BE49-F238E27FC236}">
-                <a16:creationId xmlns:a16="http://schemas.microsoft.com/office/drawing/2014/main" id="{45DB06C1-1314-47C5-A096-DE657D550605}"/>
+                <a16:creationId xmlns:a16="http://schemas.microsoft.com/office/drawing/2014/main" xmlns="" id="{45DB06C1-1314-47C5-A096-DE657D550605}"/>
               </a:ext>
             </a:extLst>
           </p:cNvPr>
@@ -2124,7 +2124,7 @@
           <p:cNvPr id="4" name="Slide Number Placeholder 3">
             <a:extLst>
               <a:ext uri="{FF2B5EF4-FFF2-40B4-BE49-F238E27FC236}">
-                <a16:creationId xmlns:a16="http://schemas.microsoft.com/office/drawing/2014/main" id="{169AEA46-C2D1-4D8F-BCAF-0B501AD86BB0}"/>
+                <a16:creationId xmlns:a16="http://schemas.microsoft.com/office/drawing/2014/main" xmlns="" id="{169AEA46-C2D1-4D8F-BCAF-0B501AD86BB0}"/>
               </a:ext>
             </a:extLst>
           </p:cNvPr>
@@ -2183,7 +2183,7 @@
           <p:cNvPr id="2" name="Title 1">
             <a:extLst>
               <a:ext uri="{FF2B5EF4-FFF2-40B4-BE49-F238E27FC236}">
-                <a16:creationId xmlns:a16="http://schemas.microsoft.com/office/drawing/2014/main" id="{C08F9A1B-6973-4095-86AE-2F1EF7AF0048}"/>
+                <a16:creationId xmlns:a16="http://schemas.microsoft.com/office/drawing/2014/main" xmlns="" id="{C08F9A1B-6973-4095-86AE-2F1EF7AF0048}"/>
               </a:ext>
             </a:extLst>
           </p:cNvPr>
@@ -2221,7 +2221,7 @@
           <p:cNvPr id="3" name="Content Placeholder 2">
             <a:extLst>
               <a:ext uri="{FF2B5EF4-FFF2-40B4-BE49-F238E27FC236}">
-                <a16:creationId xmlns:a16="http://schemas.microsoft.com/office/drawing/2014/main" id="{202D22FC-B7DB-47CA-B380-100E748C123E}"/>
+                <a16:creationId xmlns:a16="http://schemas.microsoft.com/office/drawing/2014/main" xmlns="" id="{202D22FC-B7DB-47CA-B380-100E748C123E}"/>
               </a:ext>
             </a:extLst>
           </p:cNvPr>
@@ -2312,7 +2312,7 @@
           <p:cNvPr id="4" name="Text Placeholder 3">
             <a:extLst>
               <a:ext uri="{FF2B5EF4-FFF2-40B4-BE49-F238E27FC236}">
-                <a16:creationId xmlns:a16="http://schemas.microsoft.com/office/drawing/2014/main" id="{4148E41D-DB22-4B8C-B930-E4CB8C872D6C}"/>
+                <a16:creationId xmlns:a16="http://schemas.microsoft.com/office/drawing/2014/main" xmlns="" id="{4148E41D-DB22-4B8C-B930-E4CB8C872D6C}"/>
               </a:ext>
             </a:extLst>
           </p:cNvPr>
@@ -2383,7 +2383,7 @@
           <p:cNvPr id="5" name="Date Placeholder 4">
             <a:extLst>
               <a:ext uri="{FF2B5EF4-FFF2-40B4-BE49-F238E27FC236}">
-                <a16:creationId xmlns:a16="http://schemas.microsoft.com/office/drawing/2014/main" id="{D5DDB24D-F85E-4F7F-8A75-0FE6BF70E423}"/>
+                <a16:creationId xmlns:a16="http://schemas.microsoft.com/office/drawing/2014/main" xmlns="" id="{D5DDB24D-F85E-4F7F-8A75-0FE6BF70E423}"/>
               </a:ext>
             </a:extLst>
           </p:cNvPr>
@@ -2401,7 +2401,7 @@
           <a:p>
             <a:fld id="{FFB89F34-950C-44C9-8DD8-DC77C0E8D319}" type="datetimeFigureOut">
               <a:rPr lang="en-IN" smtClean="0"/>
-              <a:t>13-05-2019</a:t>
+              <a:t>20-09-2019</a:t>
             </a:fld>
             <a:endParaRPr lang="en-IN"/>
           </a:p>
@@ -2412,7 +2412,7 @@
           <p:cNvPr id="6" name="Footer Placeholder 5">
             <a:extLst>
               <a:ext uri="{FF2B5EF4-FFF2-40B4-BE49-F238E27FC236}">
-                <a16:creationId xmlns:a16="http://schemas.microsoft.com/office/drawing/2014/main" id="{4A2FDA3E-3D0E-4204-8EDC-721A1C8EA4F2}"/>
+                <a16:creationId xmlns:a16="http://schemas.microsoft.com/office/drawing/2014/main" xmlns="" id="{4A2FDA3E-3D0E-4204-8EDC-721A1C8EA4F2}"/>
               </a:ext>
             </a:extLst>
           </p:cNvPr>
@@ -2437,7 +2437,7 @@
           <p:cNvPr id="7" name="Slide Number Placeholder 6">
             <a:extLst>
               <a:ext uri="{FF2B5EF4-FFF2-40B4-BE49-F238E27FC236}">
-                <a16:creationId xmlns:a16="http://schemas.microsoft.com/office/drawing/2014/main" id="{03872396-9A4C-42D9-9405-FCC494252FD0}"/>
+                <a16:creationId xmlns:a16="http://schemas.microsoft.com/office/drawing/2014/main" xmlns="" id="{03872396-9A4C-42D9-9405-FCC494252FD0}"/>
               </a:ext>
             </a:extLst>
           </p:cNvPr>
@@ -2496,7 +2496,7 @@
           <p:cNvPr id="2" name="Title 1">
             <a:extLst>
               <a:ext uri="{FF2B5EF4-FFF2-40B4-BE49-F238E27FC236}">
-                <a16:creationId xmlns:a16="http://schemas.microsoft.com/office/drawing/2014/main" id="{E0A2B382-2229-4B96-A253-B60A1FCF0917}"/>
+                <a16:creationId xmlns:a16="http://schemas.microsoft.com/office/drawing/2014/main" xmlns="" id="{E0A2B382-2229-4B96-A253-B60A1FCF0917}"/>
               </a:ext>
             </a:extLst>
           </p:cNvPr>
@@ -2534,7 +2534,7 @@
           <p:cNvPr id="3" name="Picture Placeholder 2">
             <a:extLst>
               <a:ext uri="{FF2B5EF4-FFF2-40B4-BE49-F238E27FC236}">
-                <a16:creationId xmlns:a16="http://schemas.microsoft.com/office/drawing/2014/main" id="{AF4CD2A0-9E18-4C15-AD10-49FBBE4EFAD1}"/>
+                <a16:creationId xmlns:a16="http://schemas.microsoft.com/office/drawing/2014/main" xmlns="" id="{AF4CD2A0-9E18-4C15-AD10-49FBBE4EFAD1}"/>
               </a:ext>
             </a:extLst>
           </p:cNvPr>
@@ -2601,7 +2601,7 @@
           <p:cNvPr id="4" name="Text Placeholder 3">
             <a:extLst>
               <a:ext uri="{FF2B5EF4-FFF2-40B4-BE49-F238E27FC236}">
-                <a16:creationId xmlns:a16="http://schemas.microsoft.com/office/drawing/2014/main" id="{6507BC38-B1B9-493A-8FB7-66E4D345DD93}"/>
+                <a16:creationId xmlns:a16="http://schemas.microsoft.com/office/drawing/2014/main" xmlns="" id="{6507BC38-B1B9-493A-8FB7-66E4D345DD93}"/>
               </a:ext>
             </a:extLst>
           </p:cNvPr>
@@ -2672,7 +2672,7 @@
           <p:cNvPr id="5" name="Date Placeholder 4">
             <a:extLst>
               <a:ext uri="{FF2B5EF4-FFF2-40B4-BE49-F238E27FC236}">
-                <a16:creationId xmlns:a16="http://schemas.microsoft.com/office/drawing/2014/main" id="{403DA0A8-D76F-447E-A2C4-9D7A2231A4DC}"/>
+                <a16:creationId xmlns:a16="http://schemas.microsoft.com/office/drawing/2014/main" xmlns="" id="{403DA0A8-D76F-447E-A2C4-9D7A2231A4DC}"/>
               </a:ext>
             </a:extLst>
           </p:cNvPr>
@@ -2690,7 +2690,7 @@
           <a:p>
             <a:fld id="{FFB89F34-950C-44C9-8DD8-DC77C0E8D319}" type="datetimeFigureOut">
               <a:rPr lang="en-IN" smtClean="0"/>
-              <a:t>13-05-2019</a:t>
+              <a:t>20-09-2019</a:t>
             </a:fld>
             <a:endParaRPr lang="en-IN"/>
           </a:p>
@@ -2701,7 +2701,7 @@
           <p:cNvPr id="6" name="Footer Placeholder 5">
             <a:extLst>
               <a:ext uri="{FF2B5EF4-FFF2-40B4-BE49-F238E27FC236}">
-                <a16:creationId xmlns:a16="http://schemas.microsoft.com/office/drawing/2014/main" id="{770E0F39-65B6-43E6-95C3-BFA03D2A24FF}"/>
+                <a16:creationId xmlns:a16="http://schemas.microsoft.com/office/drawing/2014/main" xmlns="" id="{770E0F39-65B6-43E6-95C3-BFA03D2A24FF}"/>
               </a:ext>
             </a:extLst>
           </p:cNvPr>
@@ -2726,7 +2726,7 @@
           <p:cNvPr id="7" name="Slide Number Placeholder 6">
             <a:extLst>
               <a:ext uri="{FF2B5EF4-FFF2-40B4-BE49-F238E27FC236}">
-                <a16:creationId xmlns:a16="http://schemas.microsoft.com/office/drawing/2014/main" id="{93C05E04-A782-49CE-B70A-202AE11CE98E}"/>
+                <a16:creationId xmlns:a16="http://schemas.microsoft.com/office/drawing/2014/main" xmlns="" id="{93C05E04-A782-49CE-B70A-202AE11CE98E}"/>
               </a:ext>
             </a:extLst>
           </p:cNvPr>
@@ -2790,7 +2790,7 @@
           <p:cNvPr id="2" name="Title Placeholder 1">
             <a:extLst>
               <a:ext uri="{FF2B5EF4-FFF2-40B4-BE49-F238E27FC236}">
-                <a16:creationId xmlns:a16="http://schemas.microsoft.com/office/drawing/2014/main" id="{D27EE7A4-C4F7-4910-B5B3-CDE172186488}"/>
+                <a16:creationId xmlns:a16="http://schemas.microsoft.com/office/drawing/2014/main" xmlns="" id="{D27EE7A4-C4F7-4910-B5B3-CDE172186488}"/>
               </a:ext>
             </a:extLst>
           </p:cNvPr>
@@ -2829,7 +2829,7 @@
           <p:cNvPr id="3" name="Text Placeholder 2">
             <a:extLst>
               <a:ext uri="{FF2B5EF4-FFF2-40B4-BE49-F238E27FC236}">
-                <a16:creationId xmlns:a16="http://schemas.microsoft.com/office/drawing/2014/main" id="{160FC15B-CCD4-46E6-9C1B-1336C22762F1}"/>
+                <a16:creationId xmlns:a16="http://schemas.microsoft.com/office/drawing/2014/main" xmlns="" id="{160FC15B-CCD4-46E6-9C1B-1336C22762F1}"/>
               </a:ext>
             </a:extLst>
           </p:cNvPr>
@@ -2897,7 +2897,7 @@
           <p:cNvPr id="4" name="Date Placeholder 3">
             <a:extLst>
               <a:ext uri="{FF2B5EF4-FFF2-40B4-BE49-F238E27FC236}">
-                <a16:creationId xmlns:a16="http://schemas.microsoft.com/office/drawing/2014/main" id="{91BE288B-75BF-4751-8EF5-197669CA868A}"/>
+                <a16:creationId xmlns:a16="http://schemas.microsoft.com/office/drawing/2014/main" xmlns="" id="{91BE288B-75BF-4751-8EF5-197669CA868A}"/>
               </a:ext>
             </a:extLst>
           </p:cNvPr>
@@ -2933,7 +2933,7 @@
           <a:p>
             <a:fld id="{FFB89F34-950C-44C9-8DD8-DC77C0E8D319}" type="datetimeFigureOut">
               <a:rPr lang="en-IN" smtClean="0"/>
-              <a:t>13-05-2019</a:t>
+              <a:t>20-09-2019</a:t>
             </a:fld>
             <a:endParaRPr lang="en-IN"/>
           </a:p>
@@ -2944,7 +2944,7 @@
           <p:cNvPr id="5" name="Footer Placeholder 4">
             <a:extLst>
               <a:ext uri="{FF2B5EF4-FFF2-40B4-BE49-F238E27FC236}">
-                <a16:creationId xmlns:a16="http://schemas.microsoft.com/office/drawing/2014/main" id="{02894D53-DDDC-41C4-86C4-DE54B2AC0A5D}"/>
+                <a16:creationId xmlns:a16="http://schemas.microsoft.com/office/drawing/2014/main" xmlns="" id="{02894D53-DDDC-41C4-86C4-DE54B2AC0A5D}"/>
               </a:ext>
             </a:extLst>
           </p:cNvPr>
@@ -2987,7 +2987,7 @@
           <p:cNvPr id="6" name="Slide Number Placeholder 5">
             <a:extLst>
               <a:ext uri="{FF2B5EF4-FFF2-40B4-BE49-F238E27FC236}">
-                <a16:creationId xmlns:a16="http://schemas.microsoft.com/office/drawing/2014/main" id="{779A1C9D-8ABE-42CF-9FEC-4FBF4964FE29}"/>
+                <a16:creationId xmlns:a16="http://schemas.microsoft.com/office/drawing/2014/main" xmlns="" id="{779A1C9D-8ABE-42CF-9FEC-4FBF4964FE29}"/>
               </a:ext>
             </a:extLst>
           </p:cNvPr>
@@ -3355,7 +3355,7 @@
           <p:cNvPr id="2" name="Title 1">
             <a:extLst>
               <a:ext uri="{FF2B5EF4-FFF2-40B4-BE49-F238E27FC236}">
-                <a16:creationId xmlns:a16="http://schemas.microsoft.com/office/drawing/2014/main" id="{93C07664-69AF-45B8-A2E4-793823C7B8C8}"/>
+                <a16:creationId xmlns:a16="http://schemas.microsoft.com/office/drawing/2014/main" xmlns="" id="{93C07664-69AF-45B8-A2E4-793823C7B8C8}"/>
               </a:ext>
             </a:extLst>
           </p:cNvPr>
@@ -3373,16 +3373,44 @@
           </a:bodyPr>
           <a:lstStyle/>
           <a:p>
+            <a:r>
+              <a:rPr lang="en-US" dirty="0"/>
+              <a:t/>
+            </a:r>
             <a:br>
               <a:rPr lang="en-US" dirty="0"/>
             </a:br>
+            <a:r>
+              <a:rPr lang="en-US" sz="7300">
+                <a:solidFill>
+                  <a:srgbClr val="0070C0"/>
+                </a:solidFill>
+              </a:rPr>
+              <a:t>Azure </a:t>
+            </a:r>
+            <a:r>
+              <a:rPr lang="en-US" sz="7300" smtClean="0">
+                <a:solidFill>
+                  <a:srgbClr val="0070C0"/>
+                </a:solidFill>
+              </a:rPr>
+              <a:t>Partner</a:t>
+            </a:r>
+            <a:r>
+              <a:rPr lang="en-US" sz="7300" smtClean="0">
+                <a:solidFill>
+                  <a:srgbClr val="0070C0"/>
+                </a:solidFill>
+              </a:rPr>
+              <a:t> </a:t>
+            </a:r>
             <a:r>
               <a:rPr lang="en-US" sz="7300" dirty="0">
                 <a:solidFill>
                   <a:srgbClr val="0070C0"/>
                 </a:solidFill>
               </a:rPr>
-              <a:t>Azure Hero Services </a:t>
+              <a:t>Services </a:t>
             </a:r>
             <a:br>
               <a:rPr lang="en-US" sz="7300" dirty="0">
@@ -3442,7 +3470,7 @@
           <p:cNvPr id="7" name="Table 6">
             <a:extLst>
               <a:ext uri="{FF2B5EF4-FFF2-40B4-BE49-F238E27FC236}">
-                <a16:creationId xmlns:a16="http://schemas.microsoft.com/office/drawing/2014/main" id="{72BD5240-215A-44D3-9A13-28BADF2B996F}"/>
+                <a16:creationId xmlns:a16="http://schemas.microsoft.com/office/drawing/2014/main" xmlns="" id="{72BD5240-215A-44D3-9A13-28BADF2B996F}"/>
               </a:ext>
             </a:extLst>
           </p:cNvPr>
@@ -3471,7 +3499,7 @@
                 <a:gridCol w="10646227">
                   <a:extLst>
                     <a:ext uri="{9D8B030D-6E8A-4147-A177-3AD203B41FA5}">
-                      <a16:colId xmlns:a16="http://schemas.microsoft.com/office/drawing/2014/main" val="2495343687"/>
+                      <a16:colId xmlns:a16="http://schemas.microsoft.com/office/drawing/2014/main" xmlns="" val="2495343687"/>
                     </a:ext>
                   </a:extLst>
                 </a:gridCol>
@@ -3541,7 +3569,7 @@
                 </a:tc>
                 <a:extLst>
                   <a:ext uri="{0D108BD9-81ED-4DB2-BD59-A6C34878D82A}">
-                    <a16:rowId xmlns:a16="http://schemas.microsoft.com/office/drawing/2014/main" val="1711674280"/>
+                    <a16:rowId xmlns:a16="http://schemas.microsoft.com/office/drawing/2014/main" xmlns="" val="1711674280"/>
                   </a:ext>
                 </a:extLst>
               </a:tr>
@@ -4074,7 +4102,7 @@
                 </a:tc>
                 <a:extLst>
                   <a:ext uri="{0D108BD9-81ED-4DB2-BD59-A6C34878D82A}">
-                    <a16:rowId xmlns:a16="http://schemas.microsoft.com/office/drawing/2014/main" val="582886039"/>
+                    <a16:rowId xmlns:a16="http://schemas.microsoft.com/office/drawing/2014/main" xmlns="" val="582886039"/>
                   </a:ext>
                 </a:extLst>
               </a:tr>
@@ -4087,7 +4115,7 @@
           <p:cNvPr id="5" name="Title 1">
             <a:extLst>
               <a:ext uri="{FF2B5EF4-FFF2-40B4-BE49-F238E27FC236}">
-                <a16:creationId xmlns:a16="http://schemas.microsoft.com/office/drawing/2014/main" id="{84422DB9-A2F6-4FDC-A747-F56DCF69E638}"/>
+                <a16:creationId xmlns:a16="http://schemas.microsoft.com/office/drawing/2014/main" xmlns="" id="{84422DB9-A2F6-4FDC-A747-F56DCF69E638}"/>
               </a:ext>
             </a:extLst>
           </p:cNvPr>
@@ -4179,7 +4207,7 @@
           <p:cNvPr id="10" name="Title 1">
             <a:extLst>
               <a:ext uri="{FF2B5EF4-FFF2-40B4-BE49-F238E27FC236}">
-                <a16:creationId xmlns:a16="http://schemas.microsoft.com/office/drawing/2014/main" id="{017C4FE7-4E62-402F-97C7-53E2DC1E3FC6}"/>
+                <a16:creationId xmlns:a16="http://schemas.microsoft.com/office/drawing/2014/main" xmlns="" id="{017C4FE7-4E62-402F-97C7-53E2DC1E3FC6}"/>
               </a:ext>
             </a:extLst>
           </p:cNvPr>
@@ -4240,7 +4268,7 @@
           <p:cNvPr id="9" name="Table 8">
             <a:extLst>
               <a:ext uri="{FF2B5EF4-FFF2-40B4-BE49-F238E27FC236}">
-                <a16:creationId xmlns:a16="http://schemas.microsoft.com/office/drawing/2014/main" id="{9B19AC87-994A-4564-87ED-02706963E72F}"/>
+                <a16:creationId xmlns:a16="http://schemas.microsoft.com/office/drawing/2014/main" xmlns="" id="{9B19AC87-994A-4564-87ED-02706963E72F}"/>
               </a:ext>
             </a:extLst>
           </p:cNvPr>
@@ -4269,21 +4297,21 @@
                 <a:gridCol w="1321558">
                   <a:extLst>
                     <a:ext uri="{9D8B030D-6E8A-4147-A177-3AD203B41FA5}">
-                      <a16:colId xmlns:a16="http://schemas.microsoft.com/office/drawing/2014/main" val="2495343687"/>
+                      <a16:colId xmlns:a16="http://schemas.microsoft.com/office/drawing/2014/main" xmlns="" val="2495343687"/>
                     </a:ext>
                   </a:extLst>
                 </a:gridCol>
                 <a:gridCol w="1321559">
                   <a:extLst>
                     <a:ext uri="{9D8B030D-6E8A-4147-A177-3AD203B41FA5}">
-                      <a16:colId xmlns:a16="http://schemas.microsoft.com/office/drawing/2014/main" val="3218146995"/>
+                      <a16:colId xmlns:a16="http://schemas.microsoft.com/office/drawing/2014/main" xmlns="" val="3218146995"/>
                     </a:ext>
                   </a:extLst>
                 </a:gridCol>
                 <a:gridCol w="1321558">
                   <a:extLst>
                     <a:ext uri="{9D8B030D-6E8A-4147-A177-3AD203B41FA5}">
-                      <a16:colId xmlns:a16="http://schemas.microsoft.com/office/drawing/2014/main" val="1081013706"/>
+                      <a16:colId xmlns:a16="http://schemas.microsoft.com/office/drawing/2014/main" xmlns="" val="1081013706"/>
                     </a:ext>
                   </a:extLst>
                 </a:gridCol>
@@ -4381,7 +4409,7 @@
                 </a:tc>
                 <a:extLst>
                   <a:ext uri="{0D108BD9-81ED-4DB2-BD59-A6C34878D82A}">
-                    <a16:rowId xmlns:a16="http://schemas.microsoft.com/office/drawing/2014/main" val="1711674280"/>
+                    <a16:rowId xmlns:a16="http://schemas.microsoft.com/office/drawing/2014/main" xmlns="" val="1711674280"/>
                   </a:ext>
                 </a:extLst>
               </a:tr>
@@ -4479,7 +4507,7 @@
                 </a:tc>
                 <a:extLst>
                   <a:ext uri="{0D108BD9-81ED-4DB2-BD59-A6C34878D82A}">
-                    <a16:rowId xmlns:a16="http://schemas.microsoft.com/office/drawing/2014/main" val="4286948518"/>
+                    <a16:rowId xmlns:a16="http://schemas.microsoft.com/office/drawing/2014/main" xmlns="" val="4286948518"/>
                   </a:ext>
                 </a:extLst>
               </a:tr>
@@ -4665,7 +4693,7 @@
                 </a:tc>
                 <a:extLst>
                   <a:ext uri="{0D108BD9-81ED-4DB2-BD59-A6C34878D82A}">
-                    <a16:rowId xmlns:a16="http://schemas.microsoft.com/office/drawing/2014/main" val="582886039"/>
+                    <a16:rowId xmlns:a16="http://schemas.microsoft.com/office/drawing/2014/main" xmlns="" val="582886039"/>
                   </a:ext>
                 </a:extLst>
               </a:tr>
@@ -4762,7 +4790,7 @@
                 </a:tc>
                 <a:extLst>
                   <a:ext uri="{0D108BD9-81ED-4DB2-BD59-A6C34878D82A}">
-                    <a16:rowId xmlns:a16="http://schemas.microsoft.com/office/drawing/2014/main" val="429333182"/>
+                    <a16:rowId xmlns:a16="http://schemas.microsoft.com/office/drawing/2014/main" xmlns="" val="429333182"/>
                   </a:ext>
                 </a:extLst>
               </a:tr>
@@ -4859,7 +4887,7 @@
                 </a:tc>
                 <a:extLst>
                   <a:ext uri="{0D108BD9-81ED-4DB2-BD59-A6C34878D82A}">
-                    <a16:rowId xmlns:a16="http://schemas.microsoft.com/office/drawing/2014/main" val="153389773"/>
+                    <a16:rowId xmlns:a16="http://schemas.microsoft.com/office/drawing/2014/main" xmlns="" val="153389773"/>
                   </a:ext>
                 </a:extLst>
               </a:tr>
@@ -5316,7 +5344,7 @@
                 </a:tc>
                 <a:extLst>
                   <a:ext uri="{0D108BD9-81ED-4DB2-BD59-A6C34878D82A}">
-                    <a16:rowId xmlns:a16="http://schemas.microsoft.com/office/drawing/2014/main" val="2881233992"/>
+                    <a16:rowId xmlns:a16="http://schemas.microsoft.com/office/drawing/2014/main" xmlns="" val="2881233992"/>
                   </a:ext>
                 </a:extLst>
               </a:tr>
@@ -5413,7 +5441,7 @@
                 </a:tc>
                 <a:extLst>
                   <a:ext uri="{0D108BD9-81ED-4DB2-BD59-A6C34878D82A}">
-                    <a16:rowId xmlns:a16="http://schemas.microsoft.com/office/drawing/2014/main" val="3320542450"/>
+                    <a16:rowId xmlns:a16="http://schemas.microsoft.com/office/drawing/2014/main" xmlns="" val="3320542450"/>
                   </a:ext>
                 </a:extLst>
               </a:tr>
@@ -5621,7 +5649,7 @@
                 </a:tc>
                 <a:extLst>
                   <a:ext uri="{0D108BD9-81ED-4DB2-BD59-A6C34878D82A}">
-                    <a16:rowId xmlns:a16="http://schemas.microsoft.com/office/drawing/2014/main" val="1116668250"/>
+                    <a16:rowId xmlns:a16="http://schemas.microsoft.com/office/drawing/2014/main" xmlns="" val="1116668250"/>
                   </a:ext>
                 </a:extLst>
               </a:tr>
@@ -5873,7 +5901,7 @@
                 </a:tc>
                 <a:extLst>
                   <a:ext uri="{0D108BD9-81ED-4DB2-BD59-A6C34878D82A}">
-                    <a16:rowId xmlns:a16="http://schemas.microsoft.com/office/drawing/2014/main" val="3251740419"/>
+                    <a16:rowId xmlns:a16="http://schemas.microsoft.com/office/drawing/2014/main" xmlns="" val="3251740419"/>
                   </a:ext>
                 </a:extLst>
               </a:tr>
@@ -5886,7 +5914,7 @@
           <p:cNvPr id="11" name="Table 10">
             <a:extLst>
               <a:ext uri="{FF2B5EF4-FFF2-40B4-BE49-F238E27FC236}">
-                <a16:creationId xmlns:a16="http://schemas.microsoft.com/office/drawing/2014/main" id="{F483E08B-0ED4-426B-985A-6F948C217E44}"/>
+                <a16:creationId xmlns:a16="http://schemas.microsoft.com/office/drawing/2014/main" xmlns="" id="{F483E08B-0ED4-426B-985A-6F948C217E44}"/>
               </a:ext>
             </a:extLst>
           </p:cNvPr>
@@ -5915,28 +5943,28 @@
                 <a:gridCol w="878448">
                   <a:extLst>
                     <a:ext uri="{9D8B030D-6E8A-4147-A177-3AD203B41FA5}">
-                      <a16:colId xmlns:a16="http://schemas.microsoft.com/office/drawing/2014/main" val="1337313281"/>
+                      <a16:colId xmlns:a16="http://schemas.microsoft.com/office/drawing/2014/main" xmlns="" val="1337313281"/>
                     </a:ext>
                   </a:extLst>
                 </a:gridCol>
                 <a:gridCol w="878448">
                   <a:extLst>
                     <a:ext uri="{9D8B030D-6E8A-4147-A177-3AD203B41FA5}">
-                      <a16:colId xmlns:a16="http://schemas.microsoft.com/office/drawing/2014/main" val="3733870161"/>
+                      <a16:colId xmlns:a16="http://schemas.microsoft.com/office/drawing/2014/main" xmlns="" val="3733870161"/>
                     </a:ext>
                   </a:extLst>
                 </a:gridCol>
                 <a:gridCol w="878448">
                   <a:extLst>
                     <a:ext uri="{9D8B030D-6E8A-4147-A177-3AD203B41FA5}">
-                      <a16:colId xmlns:a16="http://schemas.microsoft.com/office/drawing/2014/main" val="3920585508"/>
+                      <a16:colId xmlns:a16="http://schemas.microsoft.com/office/drawing/2014/main" xmlns="" val="3920585508"/>
                     </a:ext>
                   </a:extLst>
                 </a:gridCol>
                 <a:gridCol w="1065255">
                   <a:extLst>
                     <a:ext uri="{9D8B030D-6E8A-4147-A177-3AD203B41FA5}">
-                      <a16:colId xmlns:a16="http://schemas.microsoft.com/office/drawing/2014/main" val="722021228"/>
+                      <a16:colId xmlns:a16="http://schemas.microsoft.com/office/drawing/2014/main" xmlns="" val="722021228"/>
                     </a:ext>
                   </a:extLst>
                 </a:gridCol>
@@ -6044,7 +6072,7 @@
                 </a:tc>
                 <a:extLst>
                   <a:ext uri="{0D108BD9-81ED-4DB2-BD59-A6C34878D82A}">
-                    <a16:rowId xmlns:a16="http://schemas.microsoft.com/office/drawing/2014/main" val="1711674280"/>
+                    <a16:rowId xmlns:a16="http://schemas.microsoft.com/office/drawing/2014/main" xmlns="" val="1711674280"/>
                   </a:ext>
                 </a:extLst>
               </a:tr>
@@ -6144,7 +6172,7 @@
                 </a:tc>
                 <a:extLst>
                   <a:ext uri="{0D108BD9-81ED-4DB2-BD59-A6C34878D82A}">
-                    <a16:rowId xmlns:a16="http://schemas.microsoft.com/office/drawing/2014/main" val="4286948518"/>
+                    <a16:rowId xmlns:a16="http://schemas.microsoft.com/office/drawing/2014/main" xmlns="" val="4286948518"/>
                   </a:ext>
                 </a:extLst>
               </a:tr>
@@ -6564,7 +6592,7 @@
                 </a:tc>
                 <a:extLst>
                   <a:ext uri="{0D108BD9-81ED-4DB2-BD59-A6C34878D82A}">
-                    <a16:rowId xmlns:a16="http://schemas.microsoft.com/office/drawing/2014/main" val="582886039"/>
+                    <a16:rowId xmlns:a16="http://schemas.microsoft.com/office/drawing/2014/main" xmlns="" val="582886039"/>
                   </a:ext>
                 </a:extLst>
               </a:tr>
@@ -6671,7 +6699,7 @@
                 </a:tc>
                 <a:extLst>
                   <a:ext uri="{0D108BD9-81ED-4DB2-BD59-A6C34878D82A}">
-                    <a16:rowId xmlns:a16="http://schemas.microsoft.com/office/drawing/2014/main" val="3823963756"/>
+                    <a16:rowId xmlns:a16="http://schemas.microsoft.com/office/drawing/2014/main" xmlns="" val="3823963756"/>
                   </a:ext>
                 </a:extLst>
               </a:tr>
@@ -6825,7 +6853,7 @@
                 </a:tc>
                 <a:extLst>
                   <a:ext uri="{0D108BD9-81ED-4DB2-BD59-A6C34878D82A}">
-                    <a16:rowId xmlns:a16="http://schemas.microsoft.com/office/drawing/2014/main" val="429333182"/>
+                    <a16:rowId xmlns:a16="http://schemas.microsoft.com/office/drawing/2014/main" xmlns="" val="429333182"/>
                   </a:ext>
                 </a:extLst>
               </a:tr>
@@ -6989,7 +7017,7 @@
                 </a:tc>
                 <a:extLst>
                   <a:ext uri="{0D108BD9-81ED-4DB2-BD59-A6C34878D82A}">
-                    <a16:rowId xmlns:a16="http://schemas.microsoft.com/office/drawing/2014/main" val="2881233992"/>
+                    <a16:rowId xmlns:a16="http://schemas.microsoft.com/office/drawing/2014/main" xmlns="" val="2881233992"/>
                   </a:ext>
                 </a:extLst>
               </a:tr>
@@ -7096,7 +7124,7 @@
                 </a:tc>
                 <a:extLst>
                   <a:ext uri="{0D108BD9-81ED-4DB2-BD59-A6C34878D82A}">
-                    <a16:rowId xmlns:a16="http://schemas.microsoft.com/office/drawing/2014/main" val="2444634213"/>
+                    <a16:rowId xmlns:a16="http://schemas.microsoft.com/office/drawing/2014/main" xmlns="" val="2444634213"/>
                   </a:ext>
                 </a:extLst>
               </a:tr>
@@ -7379,7 +7407,7 @@
                 </a:tc>
                 <a:extLst>
                   <a:ext uri="{0D108BD9-81ED-4DB2-BD59-A6C34878D82A}">
-                    <a16:rowId xmlns:a16="http://schemas.microsoft.com/office/drawing/2014/main" val="4276722962"/>
+                    <a16:rowId xmlns:a16="http://schemas.microsoft.com/office/drawing/2014/main" xmlns="" val="4276722962"/>
                   </a:ext>
                 </a:extLst>
               </a:tr>
@@ -7511,7 +7539,7 @@
                 </a:tc>
                 <a:extLst>
                   <a:ext uri="{0D108BD9-81ED-4DB2-BD59-A6C34878D82A}">
-                    <a16:rowId xmlns:a16="http://schemas.microsoft.com/office/drawing/2014/main" val="3320542450"/>
+                    <a16:rowId xmlns:a16="http://schemas.microsoft.com/office/drawing/2014/main" xmlns="" val="3320542450"/>
                   </a:ext>
                 </a:extLst>
               </a:tr>
@@ -8063,7 +8091,7 @@
                 </a:tc>
                 <a:extLst>
                   <a:ext uri="{0D108BD9-81ED-4DB2-BD59-A6C34878D82A}">
-                    <a16:rowId xmlns:a16="http://schemas.microsoft.com/office/drawing/2014/main" val="1448049297"/>
+                    <a16:rowId xmlns:a16="http://schemas.microsoft.com/office/drawing/2014/main" xmlns="" val="1448049297"/>
                   </a:ext>
                 </a:extLst>
               </a:tr>
@@ -8210,7 +8238,7 @@
                 </a:tc>
                 <a:extLst>
                   <a:ext uri="{0D108BD9-81ED-4DB2-BD59-A6C34878D82A}">
-                    <a16:rowId xmlns:a16="http://schemas.microsoft.com/office/drawing/2014/main" val="3558709355"/>
+                    <a16:rowId xmlns:a16="http://schemas.microsoft.com/office/drawing/2014/main" xmlns="" val="3558709355"/>
                   </a:ext>
                 </a:extLst>
               </a:tr>
@@ -8223,7 +8251,7 @@
           <p:cNvPr id="12" name="Table 11">
             <a:extLst>
               <a:ext uri="{FF2B5EF4-FFF2-40B4-BE49-F238E27FC236}">
-                <a16:creationId xmlns:a16="http://schemas.microsoft.com/office/drawing/2014/main" id="{418C1412-E212-4F9E-AED8-A7FD5A79BAFB}"/>
+                <a16:creationId xmlns:a16="http://schemas.microsoft.com/office/drawing/2014/main" xmlns="" id="{418C1412-E212-4F9E-AED8-A7FD5A79BAFB}"/>
               </a:ext>
             </a:extLst>
           </p:cNvPr>
@@ -8252,7 +8280,7 @@
                 <a:gridCol w="3641209">
                   <a:extLst>
                     <a:ext uri="{9D8B030D-6E8A-4147-A177-3AD203B41FA5}">
-                      <a16:colId xmlns:a16="http://schemas.microsoft.com/office/drawing/2014/main" val="2495343687"/>
+                      <a16:colId xmlns:a16="http://schemas.microsoft.com/office/drawing/2014/main" xmlns="" val="2495343687"/>
                     </a:ext>
                   </a:extLst>
                 </a:gridCol>
@@ -8330,7 +8358,7 @@
                 </a:tc>
                 <a:extLst>
                   <a:ext uri="{0D108BD9-81ED-4DB2-BD59-A6C34878D82A}">
-                    <a16:rowId xmlns:a16="http://schemas.microsoft.com/office/drawing/2014/main" val="1711674280"/>
+                    <a16:rowId xmlns:a16="http://schemas.microsoft.com/office/drawing/2014/main" xmlns="" val="1711674280"/>
                   </a:ext>
                 </a:extLst>
               </a:tr>
@@ -8429,7 +8457,7 @@
                 </a:tc>
                 <a:extLst>
                   <a:ext uri="{0D108BD9-81ED-4DB2-BD59-A6C34878D82A}">
-                    <a16:rowId xmlns:a16="http://schemas.microsoft.com/office/drawing/2014/main" val="4286948518"/>
+                    <a16:rowId xmlns:a16="http://schemas.microsoft.com/office/drawing/2014/main" xmlns="" val="4286948518"/>
                   </a:ext>
                 </a:extLst>
               </a:tr>
@@ -8766,7 +8794,7 @@
                 </a:tc>
                 <a:extLst>
                   <a:ext uri="{0D108BD9-81ED-4DB2-BD59-A6C34878D82A}">
-                    <a16:rowId xmlns:a16="http://schemas.microsoft.com/office/drawing/2014/main" val="582886039"/>
+                    <a16:rowId xmlns:a16="http://schemas.microsoft.com/office/drawing/2014/main" xmlns="" val="582886039"/>
                   </a:ext>
                 </a:extLst>
               </a:tr>
@@ -8867,7 +8895,7 @@
                 </a:tc>
                 <a:extLst>
                   <a:ext uri="{0D108BD9-81ED-4DB2-BD59-A6C34878D82A}">
-                    <a16:rowId xmlns:a16="http://schemas.microsoft.com/office/drawing/2014/main" val="2840776748"/>
+                    <a16:rowId xmlns:a16="http://schemas.microsoft.com/office/drawing/2014/main" xmlns="" val="2840776748"/>
                   </a:ext>
                 </a:extLst>
               </a:tr>
@@ -9122,7 +9150,7 @@
                 </a:tc>
                 <a:extLst>
                   <a:ext uri="{0D108BD9-81ED-4DB2-BD59-A6C34878D82A}">
-                    <a16:rowId xmlns:a16="http://schemas.microsoft.com/office/drawing/2014/main" val="2269478920"/>
+                    <a16:rowId xmlns:a16="http://schemas.microsoft.com/office/drawing/2014/main" xmlns="" val="2269478920"/>
                   </a:ext>
                 </a:extLst>
               </a:tr>
@@ -9225,7 +9253,7 @@
                 </a:tc>
                 <a:extLst>
                   <a:ext uri="{0D108BD9-81ED-4DB2-BD59-A6C34878D82A}">
-                    <a16:rowId xmlns:a16="http://schemas.microsoft.com/office/drawing/2014/main" val="429333182"/>
+                    <a16:rowId xmlns:a16="http://schemas.microsoft.com/office/drawing/2014/main" xmlns="" val="429333182"/>
                   </a:ext>
                 </a:extLst>
               </a:tr>
@@ -9644,7 +9672,7 @@
                 </a:tc>
                 <a:extLst>
                   <a:ext uri="{0D108BD9-81ED-4DB2-BD59-A6C34878D82A}">
-                    <a16:rowId xmlns:a16="http://schemas.microsoft.com/office/drawing/2014/main" val="2881233992"/>
+                    <a16:rowId xmlns:a16="http://schemas.microsoft.com/office/drawing/2014/main" xmlns="" val="2881233992"/>
                   </a:ext>
                 </a:extLst>
               </a:tr>
@@ -9747,7 +9775,7 @@
                 </a:tc>
                 <a:extLst>
                   <a:ext uri="{0D108BD9-81ED-4DB2-BD59-A6C34878D82A}">
-                    <a16:rowId xmlns:a16="http://schemas.microsoft.com/office/drawing/2014/main" val="2041649492"/>
+                    <a16:rowId xmlns:a16="http://schemas.microsoft.com/office/drawing/2014/main" xmlns="" val="2041649492"/>
                   </a:ext>
                 </a:extLst>
               </a:tr>
@@ -9909,7 +9937,7 @@
                 </a:tc>
                 <a:extLst>
                   <a:ext uri="{0D108BD9-81ED-4DB2-BD59-A6C34878D82A}">
-                    <a16:rowId xmlns:a16="http://schemas.microsoft.com/office/drawing/2014/main" val="3620166839"/>
+                    <a16:rowId xmlns:a16="http://schemas.microsoft.com/office/drawing/2014/main" xmlns="" val="3620166839"/>
                   </a:ext>
                 </a:extLst>
               </a:tr>
@@ -9952,7 +9980,7 @@
           <p:cNvPr id="9" name="Title 1">
             <a:extLst>
               <a:ext uri="{FF2B5EF4-FFF2-40B4-BE49-F238E27FC236}">
-                <a16:creationId xmlns:a16="http://schemas.microsoft.com/office/drawing/2014/main" id="{B610F921-CC43-4805-B853-C9FD4E335599}"/>
+                <a16:creationId xmlns:a16="http://schemas.microsoft.com/office/drawing/2014/main" xmlns="" id="{B610F921-CC43-4805-B853-C9FD4E335599}"/>
               </a:ext>
             </a:extLst>
           </p:cNvPr>
@@ -10019,7 +10047,7 @@
           <p:cNvPr id="2" name="TextBox 1">
             <a:extLst>
               <a:ext uri="{FF2B5EF4-FFF2-40B4-BE49-F238E27FC236}">
-                <a16:creationId xmlns:a16="http://schemas.microsoft.com/office/drawing/2014/main" id="{FF4A0713-5E5E-4AE1-B3B6-7B3F7531B7D3}"/>
+                <a16:creationId xmlns:a16="http://schemas.microsoft.com/office/drawing/2014/main" xmlns="" id="{FF4A0713-5E5E-4AE1-B3B6-7B3F7531B7D3}"/>
               </a:ext>
             </a:extLst>
           </p:cNvPr>
@@ -10064,7 +10092,7 @@
           <p:cNvPr id="8" name="Table 7">
             <a:extLst>
               <a:ext uri="{FF2B5EF4-FFF2-40B4-BE49-F238E27FC236}">
-                <a16:creationId xmlns:a16="http://schemas.microsoft.com/office/drawing/2014/main" id="{AA5ABBC8-B6DD-4AC8-A3DB-8C206C0C70EB}"/>
+                <a16:creationId xmlns:a16="http://schemas.microsoft.com/office/drawing/2014/main" xmlns="" id="{AA5ABBC8-B6DD-4AC8-A3DB-8C206C0C70EB}"/>
               </a:ext>
             </a:extLst>
           </p:cNvPr>
@@ -10093,14 +10121,14 @@
                 <a:gridCol w="2379022">
                   <a:extLst>
                     <a:ext uri="{9D8B030D-6E8A-4147-A177-3AD203B41FA5}">
-                      <a16:colId xmlns:a16="http://schemas.microsoft.com/office/drawing/2014/main" val="1337313281"/>
+                      <a16:colId xmlns:a16="http://schemas.microsoft.com/office/drawing/2014/main" xmlns="" val="1337313281"/>
                     </a:ext>
                   </a:extLst>
                 </a:gridCol>
                 <a:gridCol w="2631981">
                   <a:extLst>
                     <a:ext uri="{9D8B030D-6E8A-4147-A177-3AD203B41FA5}">
-                      <a16:colId xmlns:a16="http://schemas.microsoft.com/office/drawing/2014/main" val="3920585508"/>
+                      <a16:colId xmlns:a16="http://schemas.microsoft.com/office/drawing/2014/main" xmlns="" val="3920585508"/>
                     </a:ext>
                   </a:extLst>
                 </a:gridCol>
@@ -10188,7 +10216,7 @@
                 </a:tc>
                 <a:extLst>
                   <a:ext uri="{0D108BD9-81ED-4DB2-BD59-A6C34878D82A}">
-                    <a16:rowId xmlns:a16="http://schemas.microsoft.com/office/drawing/2014/main" val="1711674280"/>
+                    <a16:rowId xmlns:a16="http://schemas.microsoft.com/office/drawing/2014/main" xmlns="" val="1711674280"/>
                   </a:ext>
                 </a:extLst>
               </a:tr>
@@ -10292,7 +10320,7 @@
                 </a:tc>
                 <a:extLst>
                   <a:ext uri="{0D108BD9-81ED-4DB2-BD59-A6C34878D82A}">
-                    <a16:rowId xmlns:a16="http://schemas.microsoft.com/office/drawing/2014/main" val="4286948518"/>
+                    <a16:rowId xmlns:a16="http://schemas.microsoft.com/office/drawing/2014/main" xmlns="" val="4286948518"/>
                   </a:ext>
                 </a:extLst>
               </a:tr>
@@ -10483,7 +10511,7 @@
                 </a:tc>
                 <a:extLst>
                   <a:ext uri="{0D108BD9-81ED-4DB2-BD59-A6C34878D82A}">
-                    <a16:rowId xmlns:a16="http://schemas.microsoft.com/office/drawing/2014/main" val="582886039"/>
+                    <a16:rowId xmlns:a16="http://schemas.microsoft.com/office/drawing/2014/main" xmlns="" val="582886039"/>
                   </a:ext>
                 </a:extLst>
               </a:tr>
@@ -10570,7 +10598,7 @@
                 </a:tc>
                 <a:extLst>
                   <a:ext uri="{0D108BD9-81ED-4DB2-BD59-A6C34878D82A}">
-                    <a16:rowId xmlns:a16="http://schemas.microsoft.com/office/drawing/2014/main" val="3823963756"/>
+                    <a16:rowId xmlns:a16="http://schemas.microsoft.com/office/drawing/2014/main" xmlns="" val="3823963756"/>
                   </a:ext>
                 </a:extLst>
               </a:tr>
@@ -10684,7 +10712,7 @@
                 </a:tc>
                 <a:extLst>
                   <a:ext uri="{0D108BD9-81ED-4DB2-BD59-A6C34878D82A}">
-                    <a16:rowId xmlns:a16="http://schemas.microsoft.com/office/drawing/2014/main" val="429333182"/>
+                    <a16:rowId xmlns:a16="http://schemas.microsoft.com/office/drawing/2014/main" xmlns="" val="429333182"/>
                   </a:ext>
                 </a:extLst>
               </a:tr>
@@ -10828,7 +10856,7 @@
                 </a:tc>
                 <a:extLst>
                   <a:ext uri="{0D108BD9-81ED-4DB2-BD59-A6C34878D82A}">
-                    <a16:rowId xmlns:a16="http://schemas.microsoft.com/office/drawing/2014/main" val="2881233992"/>
+                    <a16:rowId xmlns:a16="http://schemas.microsoft.com/office/drawing/2014/main" xmlns="" val="2881233992"/>
                   </a:ext>
                 </a:extLst>
               </a:tr>
@@ -10943,7 +10971,7 @@
                 </a:tc>
                 <a:extLst>
                   <a:ext uri="{0D108BD9-81ED-4DB2-BD59-A6C34878D82A}">
-                    <a16:rowId xmlns:a16="http://schemas.microsoft.com/office/drawing/2014/main" val="2444634213"/>
+                    <a16:rowId xmlns:a16="http://schemas.microsoft.com/office/drawing/2014/main" xmlns="" val="2444634213"/>
                   </a:ext>
                 </a:extLst>
               </a:tr>
@@ -11030,7 +11058,7 @@
                 </a:tc>
                 <a:extLst>
                   <a:ext uri="{0D108BD9-81ED-4DB2-BD59-A6C34878D82A}">
-                    <a16:rowId xmlns:a16="http://schemas.microsoft.com/office/drawing/2014/main" val="2705079967"/>
+                    <a16:rowId xmlns:a16="http://schemas.microsoft.com/office/drawing/2014/main" xmlns="" val="2705079967"/>
                   </a:ext>
                 </a:extLst>
               </a:tr>
@@ -11199,7 +11227,7 @@
                 </a:tc>
                 <a:extLst>
                   <a:ext uri="{0D108BD9-81ED-4DB2-BD59-A6C34878D82A}">
-                    <a16:rowId xmlns:a16="http://schemas.microsoft.com/office/drawing/2014/main" val="4276722962"/>
+                    <a16:rowId xmlns:a16="http://schemas.microsoft.com/office/drawing/2014/main" xmlns="" val="4276722962"/>
                   </a:ext>
                 </a:extLst>
               </a:tr>
@@ -11363,7 +11391,7 @@
                 </a:tc>
                 <a:extLst>
                   <a:ext uri="{0D108BD9-81ED-4DB2-BD59-A6C34878D82A}">
-                    <a16:rowId xmlns:a16="http://schemas.microsoft.com/office/drawing/2014/main" val="3320542450"/>
+                    <a16:rowId xmlns:a16="http://schemas.microsoft.com/office/drawing/2014/main" xmlns="" val="3320542450"/>
                   </a:ext>
                 </a:extLst>
               </a:tr>
@@ -11376,7 +11404,7 @@
           <p:cNvPr id="10" name="Table 9">
             <a:extLst>
               <a:ext uri="{FF2B5EF4-FFF2-40B4-BE49-F238E27FC236}">
-                <a16:creationId xmlns:a16="http://schemas.microsoft.com/office/drawing/2014/main" id="{5E7AC702-9F15-4875-A9D0-832962DB3577}"/>
+                <a16:creationId xmlns:a16="http://schemas.microsoft.com/office/drawing/2014/main" xmlns="" id="{5E7AC702-9F15-4875-A9D0-832962DB3577}"/>
               </a:ext>
             </a:extLst>
           </p:cNvPr>
@@ -11405,7 +11433,7 @@
                 <a:gridCol w="5354472">
                   <a:extLst>
                     <a:ext uri="{9D8B030D-6E8A-4147-A177-3AD203B41FA5}">
-                      <a16:colId xmlns:a16="http://schemas.microsoft.com/office/drawing/2014/main" val="1337313281"/>
+                      <a16:colId xmlns:a16="http://schemas.microsoft.com/office/drawing/2014/main" xmlns="" val="1337313281"/>
                     </a:ext>
                   </a:extLst>
                 </a:gridCol>
@@ -11483,7 +11511,7 @@
                 </a:tc>
                 <a:extLst>
                   <a:ext uri="{0D108BD9-81ED-4DB2-BD59-A6C34878D82A}">
-                    <a16:rowId xmlns:a16="http://schemas.microsoft.com/office/drawing/2014/main" val="1711674280"/>
+                    <a16:rowId xmlns:a16="http://schemas.microsoft.com/office/drawing/2014/main" xmlns="" val="1711674280"/>
                   </a:ext>
                 </a:extLst>
               </a:tr>
@@ -11583,7 +11611,7 @@
                 </a:tc>
                 <a:extLst>
                   <a:ext uri="{0D108BD9-81ED-4DB2-BD59-A6C34878D82A}">
-                    <a16:rowId xmlns:a16="http://schemas.microsoft.com/office/drawing/2014/main" val="4286948518"/>
+                    <a16:rowId xmlns:a16="http://schemas.microsoft.com/office/drawing/2014/main" xmlns="" val="4286948518"/>
                   </a:ext>
                 </a:extLst>
               </a:tr>
@@ -11688,7 +11716,7 @@
                 </a:tc>
                 <a:extLst>
                   <a:ext uri="{0D108BD9-81ED-4DB2-BD59-A6C34878D82A}">
-                    <a16:rowId xmlns:a16="http://schemas.microsoft.com/office/drawing/2014/main" val="582886039"/>
+                    <a16:rowId xmlns:a16="http://schemas.microsoft.com/office/drawing/2014/main" xmlns="" val="582886039"/>
                   </a:ext>
                 </a:extLst>
               </a:tr>
@@ -11765,7 +11793,7 @@
                 </a:tc>
                 <a:extLst>
                   <a:ext uri="{0D108BD9-81ED-4DB2-BD59-A6C34878D82A}">
-                    <a16:rowId xmlns:a16="http://schemas.microsoft.com/office/drawing/2014/main" val="3823963756"/>
+                    <a16:rowId xmlns:a16="http://schemas.microsoft.com/office/drawing/2014/main" xmlns="" val="3823963756"/>
                   </a:ext>
                 </a:extLst>
               </a:tr>
@@ -11918,7 +11946,7 @@
                 </a:tc>
                 <a:extLst>
                   <a:ext uri="{0D108BD9-81ED-4DB2-BD59-A6C34878D82A}">
-                    <a16:rowId xmlns:a16="http://schemas.microsoft.com/office/drawing/2014/main" val="429333182"/>
+                    <a16:rowId xmlns:a16="http://schemas.microsoft.com/office/drawing/2014/main" xmlns="" val="429333182"/>
                   </a:ext>
                 </a:extLst>
               </a:tr>
@@ -11995,7 +12023,7 @@
                 </a:tc>
                 <a:extLst>
                   <a:ext uri="{0D108BD9-81ED-4DB2-BD59-A6C34878D82A}">
-                    <a16:rowId xmlns:a16="http://schemas.microsoft.com/office/drawing/2014/main" val="2881233992"/>
+                    <a16:rowId xmlns:a16="http://schemas.microsoft.com/office/drawing/2014/main" xmlns="" val="2881233992"/>
                   </a:ext>
                 </a:extLst>
               </a:tr>
@@ -12100,7 +12128,7 @@
                 </a:tc>
                 <a:extLst>
                   <a:ext uri="{0D108BD9-81ED-4DB2-BD59-A6C34878D82A}">
-                    <a16:rowId xmlns:a16="http://schemas.microsoft.com/office/drawing/2014/main" val="2444634213"/>
+                    <a16:rowId xmlns:a16="http://schemas.microsoft.com/office/drawing/2014/main" xmlns="" val="2444634213"/>
                   </a:ext>
                 </a:extLst>
               </a:tr>
@@ -12185,7 +12213,7 @@
                 </a:tc>
                 <a:extLst>
                   <a:ext uri="{0D108BD9-81ED-4DB2-BD59-A6C34878D82A}">
-                    <a16:rowId xmlns:a16="http://schemas.microsoft.com/office/drawing/2014/main" val="2705079967"/>
+                    <a16:rowId xmlns:a16="http://schemas.microsoft.com/office/drawing/2014/main" xmlns="" val="2705079967"/>
                   </a:ext>
                 </a:extLst>
               </a:tr>
@@ -12284,7 +12312,7 @@
                 </a:tc>
                 <a:extLst>
                   <a:ext uri="{0D108BD9-81ED-4DB2-BD59-A6C34878D82A}">
-                    <a16:rowId xmlns:a16="http://schemas.microsoft.com/office/drawing/2014/main" val="4276722962"/>
+                    <a16:rowId xmlns:a16="http://schemas.microsoft.com/office/drawing/2014/main" xmlns="" val="4276722962"/>
                   </a:ext>
                 </a:extLst>
               </a:tr>
@@ -12594,7 +12622,7 @@
   <a:extraClrSchemeLst/>
   <a:extLst>
     <a:ext uri="{05A4C25C-085E-4340-85A3-A5531E510DB2}">
-      <thm15:themeFamily xmlns:thm15="http://schemas.microsoft.com/office/thememl/2012/main" name="Office Theme" id="{62F939B6-93AF-4DB8-9C6B-D6C7DFDC589F}" vid="{4A3C46E8-61CC-4603-A589-7422A47A8E4A}"/>
+      <thm15:themeFamily xmlns:thm15="http://schemas.microsoft.com/office/thememl/2012/main" xmlns="" name="Office Theme" id="{62F939B6-93AF-4DB8-9C6B-D6C7DFDC589F}" vid="{4A3C46E8-61CC-4603-A589-7422A47A8E4A}"/>
     </a:ext>
   </a:extLst>
 </a:theme>
